--- a/PRESENTATIONS/2021-03-online-f2f/2021-03-17-WoT-F2F-Discovery-Issues-McCool.pptx
+++ b/PRESENTATIONS/2021-03-online-f2f/2021-03-17-WoT-F2F-Discovery-Issues-McCool.pptx
@@ -5,7 +5,7 @@
     <p:sldMasterId id="2147483648" r:id="rId1"/>
   </p:sldMasterIdLst>
   <p:notesMasterIdLst>
-    <p:notesMasterId r:id="rId12"/>
+    <p:notesMasterId r:id="rId13"/>
   </p:notesMasterIdLst>
   <p:sldIdLst>
     <p:sldId id="256" r:id="rId2"/>
@@ -17,7 +17,8 @@
     <p:sldId id="262" r:id="rId8"/>
     <p:sldId id="263" r:id="rId9"/>
     <p:sldId id="264" r:id="rId10"/>
-    <p:sldId id="265" r:id="rId11"/>
+    <p:sldId id="266" r:id="rId11"/>
+    <p:sldId id="265" r:id="rId12"/>
   </p:sldIdLst>
   <p:sldSz cx="12192000" cy="6858000"/>
   <p:notesSz cx="6858000" cy="9144000"/>
@@ -217,7 +218,7 @@
           <a:p>
             <a:fld id="{8389B5DD-0274-BF45-B4C5-62E173E8F634}" type="datetimeFigureOut">
               <a:rPr lang="en-US" smtClean="0"/>
-              <a:t>3/16/21</a:t>
+              <a:t>3/17/21</a:t>
             </a:fld>
             <a:endParaRPr lang="en-US"/>
           </a:p>
@@ -833,7 +834,7 @@
           <a:p>
             <a:fld id="{2F93E591-CC8D-C74E-8EED-098A7FB5E64D}" type="datetime1">
               <a:rPr lang="en-CA" smtClean="0"/>
-              <a:t>2021-03-16</a:t>
+              <a:t>2021-03-17</a:t>
             </a:fld>
             <a:endParaRPr lang="en-US"/>
           </a:p>
@@ -1101,7 +1102,7 @@
           <a:p>
             <a:fld id="{2E1BC118-574D-594E-ABEA-A7C82666C9AB}" type="datetime1">
               <a:rPr lang="en-CA" smtClean="0"/>
-              <a:t>2021-03-16</a:t>
+              <a:t>2021-03-17</a:t>
             </a:fld>
             <a:endParaRPr lang="en-US"/>
           </a:p>
@@ -1467,7 +1468,7 @@
           <a:p>
             <a:fld id="{B929AB1E-7FD9-0A40-B7C0-508CCACB3E9A}" type="datetime1">
               <a:rPr lang="en-CA" smtClean="0"/>
-              <a:t>2021-03-16</a:t>
+              <a:t>2021-03-17</a:t>
             </a:fld>
             <a:endParaRPr lang="en-US"/>
           </a:p>
@@ -1699,7 +1700,7 @@
           <a:p>
             <a:fld id="{5AE8723F-57EA-4C47-97B9-92AFDEEF85DC}" type="datetime1">
               <a:rPr lang="en-CA" smtClean="0"/>
-              <a:t>2021-03-16</a:t>
+              <a:t>2021-03-17</a:t>
             </a:fld>
             <a:endParaRPr lang="en-US"/>
           </a:p>
@@ -2029,7 +2030,7 @@
           <a:p>
             <a:fld id="{B2B00E5D-EC04-AA49-8D52-0FCB6E08F63D}" type="datetime1">
               <a:rPr lang="en-CA" smtClean="0"/>
-              <a:t>2021-03-16</a:t>
+              <a:t>2021-03-17</a:t>
             </a:fld>
             <a:endParaRPr lang="en-US"/>
           </a:p>
@@ -2502,7 +2503,7 @@
           <a:p>
             <a:fld id="{FF90905C-10FF-8047-AA7E-6DC7E8B6AF51}" type="datetime1">
               <a:rPr lang="en-CA" smtClean="0"/>
-              <a:t>2021-03-16</a:t>
+              <a:t>2021-03-17</a:t>
             </a:fld>
             <a:endParaRPr lang="en-US"/>
           </a:p>
@@ -2708,7 +2709,7 @@
           <a:p>
             <a:fld id="{D1CE86E2-4400-D342-BEEC-F9C1ADF6F9F7}" type="datetime1">
               <a:rPr lang="en-CA" smtClean="0"/>
-              <a:t>2021-03-16</a:t>
+              <a:t>2021-03-17</a:t>
             </a:fld>
             <a:endParaRPr lang="en-US"/>
           </a:p>
@@ -2878,7 +2879,7 @@
           <a:p>
             <a:fld id="{74358A08-7221-7F45-8378-69D5559861DD}" type="datetime1">
               <a:rPr lang="en-CA" smtClean="0"/>
-              <a:t>2021-03-16</a:t>
+              <a:t>2021-03-17</a:t>
             </a:fld>
             <a:endParaRPr lang="en-US"/>
           </a:p>
@@ -3250,7 +3251,7 @@
           <a:p>
             <a:fld id="{08C20FDB-303D-8A4E-83B7-226DD88B97BD}" type="datetime1">
               <a:rPr lang="en-CA" smtClean="0"/>
-              <a:t>2021-03-16</a:t>
+              <a:t>2021-03-17</a:t>
             </a:fld>
             <a:endParaRPr lang="en-US"/>
           </a:p>
@@ -3602,7 +3603,7 @@
           <a:p>
             <a:fld id="{0A9EBA37-9D18-D34A-A88D-1B00AA06E95C}" type="datetime1">
               <a:rPr lang="en-CA" smtClean="0"/>
-              <a:t>2021-03-16</a:t>
+              <a:t>2021-03-17</a:t>
             </a:fld>
             <a:endParaRPr lang="en-US"/>
           </a:p>
@@ -3942,7 +3943,7 @@
             <a:fld id="{B73A2E78-F38A-E046-ACDB-668F070D1EF6}" type="datetime1">
               <a:rPr lang="en-CA" smtClean="0"/>
               <a:pPr/>
-              <a:t>2021-03-16</a:t>
+              <a:t>2021-03-17</a:t>
             </a:fld>
             <a:endParaRPr lang="en-US" dirty="0"/>
           </a:p>
@@ -4452,7 +4453,7 @@
           <p:cNvPr id="2" name="Title 1">
             <a:extLst>
               <a:ext uri="{FF2B5EF4-FFF2-40B4-BE49-F238E27FC236}">
-                <a16:creationId xmlns:a16="http://schemas.microsoft.com/office/drawing/2014/main" id="{734203AD-25E4-EB40-8A20-7807486B9CAC}"/>
+                <a16:creationId xmlns:a16="http://schemas.microsoft.com/office/drawing/2014/main" id="{F3D90286-B8E5-DB4D-9626-DF84975C85BB}"/>
               </a:ext>
             </a:extLst>
           </p:cNvPr>
@@ -4470,7 +4471,7 @@
           <a:p>
             <a:r>
               <a:rPr lang="en-US" dirty="0"/>
-              <a:t>Other</a:t>
+              <a:t>Security Bootstrapping</a:t>
             </a:r>
           </a:p>
         </p:txBody>
@@ -4480,7 +4481,7 @@
           <p:cNvPr id="3" name="Content Placeholder 2">
             <a:extLst>
               <a:ext uri="{FF2B5EF4-FFF2-40B4-BE49-F238E27FC236}">
-                <a16:creationId xmlns:a16="http://schemas.microsoft.com/office/drawing/2014/main" id="{19EFDDEB-A537-384F-8621-966A1CC2ECB1}"/>
+                <a16:creationId xmlns:a16="http://schemas.microsoft.com/office/drawing/2014/main" id="{8139DA4F-44F9-8141-81BC-F4607CAE3F5F}"/>
               </a:ext>
             </a:extLst>
           </p:cNvPr>
@@ -4493,102 +4494,98 @@
         </p:nvSpPr>
         <p:spPr>
           <a:xfrm>
-            <a:off x="838200" y="1061156"/>
-            <a:ext cx="10515600" cy="5115807"/>
-          </a:xfrm>
-        </p:spPr>
-        <p:txBody>
-          <a:bodyPr/>
-          <a:lstStyle/>
-          <a:p>
-            <a:r>
-              <a:rPr lang="en-US" dirty="0"/>
-              <a:t>Addressing </a:t>
+            <a:off x="838200" y="1128890"/>
+            <a:ext cx="10515600" cy="5048074"/>
+          </a:xfrm>
+        </p:spPr>
+        <p:txBody>
+          <a:bodyPr/>
+          <a:lstStyle/>
+          <a:p>
+            <a:r>
+              <a:rPr lang="en-US" dirty="0"/>
+              <a:t>Exploration requires secure authentication and authorization before a TD is provided</a:t>
+            </a:r>
+          </a:p>
+          <a:p>
+            <a:r>
+              <a:rPr lang="en-US" dirty="0"/>
+              <a:t>How does a client know what security scheme is needed to fetch the TD without access to the TD???  (see </a:t>
+            </a:r>
+            <a:r>
+              <a:rPr lang="en-US" dirty="0">
+                <a:hlinkClick r:id="rId2"/>
+              </a:rPr>
+              <a:t>wot-discovery issue 135</a:t>
+            </a:r>
+            <a:r>
+              <a:rPr lang="en-US" dirty="0"/>
+              <a:t>)</a:t>
+            </a:r>
+          </a:p>
+          <a:p>
+            <a:r>
+              <a:rPr lang="en-US" dirty="0"/>
+              <a:t>Mostly a problem for self-description (directories can use </a:t>
             </a:r>
             <a:r>
               <a:rPr lang="en-US" dirty="0" err="1"/>
-              <a:t>WebThings</a:t>
-            </a:r>
-            <a:r>
-              <a:rPr lang="en-US" dirty="0"/>
-              <a:t> feedback</a:t>
+              <a:t>nosec</a:t>
+            </a:r>
+            <a:r>
+              <a:rPr lang="en-US" dirty="0"/>
+              <a:t> for the TD as it has no private information)</a:t>
+            </a:r>
+          </a:p>
+          <a:p>
+            <a:r>
+              <a:rPr lang="en-US" dirty="0"/>
+              <a:t>Options:</a:t>
             </a:r>
           </a:p>
           <a:p>
             <a:pPr lvl="1"/>
             <a:r>
               <a:rPr lang="en-US" dirty="0"/>
-              <a:t>Use of </a:t>
-            </a:r>
-            <a:r>
-              <a:rPr lang="en-US" dirty="0" err="1"/>
-              <a:t>mDNS</a:t>
-            </a:r>
-            <a:r>
-              <a:rPr lang="en-US" dirty="0"/>
-              <a:t> for local discovery</a:t>
-            </a:r>
-          </a:p>
-          <a:p>
-            <a:r>
-              <a:rPr lang="en-US" dirty="0"/>
-              <a:t>Addressing </a:t>
-            </a:r>
-            <a:r>
-              <a:rPr lang="en-US" dirty="0" err="1"/>
-              <a:t>CoreRD</a:t>
-            </a:r>
-            <a:r>
-              <a:rPr lang="en-US" dirty="0"/>
-              <a:t> feedback</a:t>
+              <a:t>Specified default</a:t>
             </a:r>
           </a:p>
           <a:p>
             <a:pPr lvl="1"/>
             <a:r>
               <a:rPr lang="en-US" dirty="0"/>
-              <a:t>We want to limit how much metadata is distributed/leaked in "introductions"</a:t>
-            </a:r>
-          </a:p>
-          <a:p>
-            <a:r>
-              <a:rPr lang="en-US" dirty="0"/>
-              <a:t>Directory Federation</a:t>
+              <a:t>Protocol-specific negotiation (e.g. HTTP headers)</a:t>
             </a:r>
           </a:p>
           <a:p>
             <a:pPr lvl="1"/>
             <a:r>
               <a:rPr lang="en-US" dirty="0"/>
-              <a:t>Need link relation type to allow directories to point at other directories</a:t>
+              <a:t>Two-phase (proposed </a:t>
+            </a:r>
+            <a:r>
+              <a:rPr lang="en-US"/>
+              <a:t>in issue above)</a:t>
+            </a:r>
+            <a:endParaRPr lang="en-US" dirty="0"/>
+          </a:p>
+          <a:p>
+            <a:pPr lvl="2"/>
+            <a:r>
+              <a:rPr lang="en-US" dirty="0"/>
+              <a:t>Error response includes security scheme to fetch TD</a:t>
+            </a:r>
+          </a:p>
+          <a:p>
+            <a:pPr lvl="2"/>
+            <a:r>
+              <a:rPr lang="en-US" dirty="0"/>
+              <a:t>But where does this scheme come from?  It is not given in the TD itself (meta-metadata)</a:t>
             </a:r>
           </a:p>
           <a:p>
             <a:pPr lvl="1"/>
-            <a:r>
-              <a:rPr lang="en-US" dirty="0"/>
-              <a:t>Not clear how to do semantic summaries of the contents of directories</a:t>
-            </a:r>
-          </a:p>
-          <a:p>
-            <a:pPr lvl="1"/>
-            <a:r>
-              <a:rPr lang="en-US" dirty="0"/>
-              <a:t>Consumer needs to follow links and send queries (if directory did it, it would be nicer for the consumer, but unfortunately this leads to amplification and can be exploited in a DoS attack)</a:t>
-            </a:r>
-          </a:p>
-          <a:p>
-            <a:r>
-              <a:rPr lang="en-US" dirty="0"/>
-              <a:t>Directory Semantic Extensions</a:t>
-            </a:r>
-          </a:p>
-          <a:p>
-            <a:pPr lvl="1"/>
-            <a:r>
-              <a:rPr lang="en-US" dirty="0"/>
-              <a:t>Directory has a context, should be given an official URL</a:t>
-            </a:r>
+            <a:endParaRPr lang="en-US" dirty="0"/>
           </a:p>
         </p:txBody>
       </p:sp>
@@ -4597,7 +4594,7 @@
           <p:cNvPr id="4" name="Footer Placeholder 3">
             <a:extLst>
               <a:ext uri="{FF2B5EF4-FFF2-40B4-BE49-F238E27FC236}">
-                <a16:creationId xmlns:a16="http://schemas.microsoft.com/office/drawing/2014/main" id="{2C286E7E-620B-2542-94FB-7C1AB5BF3BE9}"/>
+                <a16:creationId xmlns:a16="http://schemas.microsoft.com/office/drawing/2014/main" id="{F44E117B-7CEF-F348-B8EE-3CA26491B14B}"/>
               </a:ext>
             </a:extLst>
           </p:cNvPr>
@@ -4625,7 +4622,7 @@
           <p:cNvPr id="5" name="Slide Number Placeholder 4">
             <a:extLst>
               <a:ext uri="{FF2B5EF4-FFF2-40B4-BE49-F238E27FC236}">
-                <a16:creationId xmlns:a16="http://schemas.microsoft.com/office/drawing/2014/main" id="{794577B9-9F94-824F-9B6A-8E17BEBBA7F4}"/>
+                <a16:creationId xmlns:a16="http://schemas.microsoft.com/office/drawing/2014/main" id="{8E23EF50-966E-5D4E-8C9E-2DD2E2882A9E}"/>
               </a:ext>
             </a:extLst>
           </p:cNvPr>
@@ -4654,7 +4651,7 @@
           <p:cNvPr id="6" name="Date Placeholder 5">
             <a:extLst>
               <a:ext uri="{FF2B5EF4-FFF2-40B4-BE49-F238E27FC236}">
-                <a16:creationId xmlns:a16="http://schemas.microsoft.com/office/drawing/2014/main" id="{B0D95A09-4AEB-3249-96DC-A8A9E08E40E0}"/>
+                <a16:creationId xmlns:a16="http://schemas.microsoft.com/office/drawing/2014/main" id="{B9C06E1B-FA6E-8E49-848E-A4D4F9512569}"/>
               </a:ext>
             </a:extLst>
           </p:cNvPr>
@@ -4672,7 +4669,268 @@
           <a:p>
             <a:fld id="{B929AB1E-7FD9-0A40-B7C0-508CCACB3E9A}" type="datetime1">
               <a:rPr lang="en-CA" smtClean="0"/>
-              <a:t>2021-03-16</a:t>
+              <a:t>2021-03-17</a:t>
+            </a:fld>
+            <a:endParaRPr lang="en-US"/>
+          </a:p>
+        </p:txBody>
+      </p:sp>
+    </p:spTree>
+    <p:extLst>
+      <p:ext uri="{BB962C8B-B14F-4D97-AF65-F5344CB8AC3E}">
+        <p14:creationId xmlns:p14="http://schemas.microsoft.com/office/powerpoint/2010/main" val="4102886947"/>
+      </p:ext>
+    </p:extLst>
+  </p:cSld>
+  <p:clrMapOvr>
+    <a:masterClrMapping/>
+  </p:clrMapOvr>
+</p:sld>
+</file>
+
+<file path=ppt/slides/slide11.xml><?xml version="1.0" encoding="utf-8"?>
+<p:sld xmlns:a="http://schemas.openxmlformats.org/drawingml/2006/main" xmlns:r="http://schemas.openxmlformats.org/officeDocument/2006/relationships" xmlns:p="http://schemas.openxmlformats.org/presentationml/2006/main">
+  <p:cSld>
+    <p:spTree>
+      <p:nvGrpSpPr>
+        <p:cNvPr id="1" name=""/>
+        <p:cNvGrpSpPr/>
+        <p:nvPr/>
+      </p:nvGrpSpPr>
+      <p:grpSpPr>
+        <a:xfrm>
+          <a:off x="0" y="0"/>
+          <a:ext cx="0" cy="0"/>
+          <a:chOff x="0" y="0"/>
+          <a:chExt cx="0" cy="0"/>
+        </a:xfrm>
+      </p:grpSpPr>
+      <p:sp>
+        <p:nvSpPr>
+          <p:cNvPr id="2" name="Title 1">
+            <a:extLst>
+              <a:ext uri="{FF2B5EF4-FFF2-40B4-BE49-F238E27FC236}">
+                <a16:creationId xmlns:a16="http://schemas.microsoft.com/office/drawing/2014/main" id="{734203AD-25E4-EB40-8A20-7807486B9CAC}"/>
+              </a:ext>
+            </a:extLst>
+          </p:cNvPr>
+          <p:cNvSpPr>
+            <a:spLocks noGrp="1"/>
+          </p:cNvSpPr>
+          <p:nvPr>
+            <p:ph type="title"/>
+          </p:nvPr>
+        </p:nvSpPr>
+        <p:spPr/>
+        <p:txBody>
+          <a:bodyPr/>
+          <a:lstStyle/>
+          <a:p>
+            <a:r>
+              <a:rPr lang="en-US" dirty="0"/>
+              <a:t>Other</a:t>
+            </a:r>
+          </a:p>
+        </p:txBody>
+      </p:sp>
+      <p:sp>
+        <p:nvSpPr>
+          <p:cNvPr id="3" name="Content Placeholder 2">
+            <a:extLst>
+              <a:ext uri="{FF2B5EF4-FFF2-40B4-BE49-F238E27FC236}">
+                <a16:creationId xmlns:a16="http://schemas.microsoft.com/office/drawing/2014/main" id="{19EFDDEB-A537-384F-8621-966A1CC2ECB1}"/>
+              </a:ext>
+            </a:extLst>
+          </p:cNvPr>
+          <p:cNvSpPr>
+            <a:spLocks noGrp="1"/>
+          </p:cNvSpPr>
+          <p:nvPr>
+            <p:ph idx="1"/>
+          </p:nvPr>
+        </p:nvSpPr>
+        <p:spPr>
+          <a:xfrm>
+            <a:off x="838200" y="1061156"/>
+            <a:ext cx="10515600" cy="5115807"/>
+          </a:xfrm>
+        </p:spPr>
+        <p:txBody>
+          <a:bodyPr/>
+          <a:lstStyle/>
+          <a:p>
+            <a:r>
+              <a:rPr lang="en-US" dirty="0"/>
+              <a:t>Addressing </a:t>
+            </a:r>
+            <a:r>
+              <a:rPr lang="en-US" dirty="0" err="1"/>
+              <a:t>WebThings</a:t>
+            </a:r>
+            <a:r>
+              <a:rPr lang="en-US" dirty="0"/>
+              <a:t> feedback</a:t>
+            </a:r>
+          </a:p>
+          <a:p>
+            <a:pPr lvl="1"/>
+            <a:r>
+              <a:rPr lang="en-US" dirty="0"/>
+              <a:t>Use of </a:t>
+            </a:r>
+            <a:r>
+              <a:rPr lang="en-US" dirty="0" err="1"/>
+              <a:t>mDNS</a:t>
+            </a:r>
+            <a:r>
+              <a:rPr lang="en-US" dirty="0"/>
+              <a:t> for local discovery</a:t>
+            </a:r>
+          </a:p>
+          <a:p>
+            <a:r>
+              <a:rPr lang="en-US" dirty="0"/>
+              <a:t>Addressing </a:t>
+            </a:r>
+            <a:r>
+              <a:rPr lang="en-US" dirty="0" err="1"/>
+              <a:t>CoreRD</a:t>
+            </a:r>
+            <a:r>
+              <a:rPr lang="en-US" dirty="0"/>
+              <a:t> feedback</a:t>
+            </a:r>
+          </a:p>
+          <a:p>
+            <a:pPr lvl="1"/>
+            <a:r>
+              <a:rPr lang="en-US" dirty="0"/>
+              <a:t>We want to limit how much metadata is distributed/leaked in "introductions"</a:t>
+            </a:r>
+          </a:p>
+          <a:p>
+            <a:r>
+              <a:rPr lang="en-US" dirty="0"/>
+              <a:t>Directory Federation</a:t>
+            </a:r>
+          </a:p>
+          <a:p>
+            <a:pPr lvl="1"/>
+            <a:r>
+              <a:rPr lang="en-US" dirty="0"/>
+              <a:t>Need link relation type to allow directories to point at other directories</a:t>
+            </a:r>
+          </a:p>
+          <a:p>
+            <a:pPr lvl="1"/>
+            <a:r>
+              <a:rPr lang="en-US" dirty="0"/>
+              <a:t>Not clear how to do semantic summaries of the contents of directories</a:t>
+            </a:r>
+          </a:p>
+          <a:p>
+            <a:pPr lvl="1"/>
+            <a:r>
+              <a:rPr lang="en-US" dirty="0"/>
+              <a:t>Consumer needs to follow links and send queries (if directory did it, it would be nicer for the consumer, but unfortunately this leads to amplification and can be exploited in a DoS attack)</a:t>
+            </a:r>
+          </a:p>
+          <a:p>
+            <a:r>
+              <a:rPr lang="en-US" dirty="0"/>
+              <a:t>Directory Semantic Extensions</a:t>
+            </a:r>
+          </a:p>
+          <a:p>
+            <a:pPr lvl="1"/>
+            <a:r>
+              <a:rPr lang="en-US" dirty="0"/>
+              <a:t>Directory has a context, should be given an official URL</a:t>
+            </a:r>
+          </a:p>
+        </p:txBody>
+      </p:sp>
+      <p:sp>
+        <p:nvSpPr>
+          <p:cNvPr id="4" name="Footer Placeholder 3">
+            <a:extLst>
+              <a:ext uri="{FF2B5EF4-FFF2-40B4-BE49-F238E27FC236}">
+                <a16:creationId xmlns:a16="http://schemas.microsoft.com/office/drawing/2014/main" id="{2C286E7E-620B-2542-94FB-7C1AB5BF3BE9}"/>
+              </a:ext>
+            </a:extLst>
+          </p:cNvPr>
+          <p:cNvSpPr>
+            <a:spLocks noGrp="1"/>
+          </p:cNvSpPr>
+          <p:nvPr>
+            <p:ph type="ftr" sz="quarter" idx="11"/>
+          </p:nvPr>
+        </p:nvSpPr>
+        <p:spPr/>
+        <p:txBody>
+          <a:bodyPr/>
+          <a:lstStyle/>
+          <a:p>
+            <a:r>
+              <a:rPr lang="en-US"/>
+              <a:t>W3C Web of Things (WoT) WG/IG</a:t>
+            </a:r>
+          </a:p>
+        </p:txBody>
+      </p:sp>
+      <p:sp>
+        <p:nvSpPr>
+          <p:cNvPr id="5" name="Slide Number Placeholder 4">
+            <a:extLst>
+              <a:ext uri="{FF2B5EF4-FFF2-40B4-BE49-F238E27FC236}">
+                <a16:creationId xmlns:a16="http://schemas.microsoft.com/office/drawing/2014/main" id="{794577B9-9F94-824F-9B6A-8E17BEBBA7F4}"/>
+              </a:ext>
+            </a:extLst>
+          </p:cNvPr>
+          <p:cNvSpPr>
+            <a:spLocks noGrp="1"/>
+          </p:cNvSpPr>
+          <p:nvPr>
+            <p:ph type="sldNum" sz="quarter" idx="12"/>
+          </p:nvPr>
+        </p:nvSpPr>
+        <p:spPr/>
+        <p:txBody>
+          <a:bodyPr/>
+          <a:lstStyle/>
+          <a:p>
+            <a:fld id="{055BDE2E-7167-1944-9FEE-E44668D91CB6}" type="slidenum">
+              <a:rPr lang="en-US" smtClean="0"/>
+              <a:t>11</a:t>
+            </a:fld>
+            <a:endParaRPr lang="en-US"/>
+          </a:p>
+        </p:txBody>
+      </p:sp>
+      <p:sp>
+        <p:nvSpPr>
+          <p:cNvPr id="6" name="Date Placeholder 5">
+            <a:extLst>
+              <a:ext uri="{FF2B5EF4-FFF2-40B4-BE49-F238E27FC236}">
+                <a16:creationId xmlns:a16="http://schemas.microsoft.com/office/drawing/2014/main" id="{B0D95A09-4AEB-3249-96DC-A8A9E08E40E0}"/>
+              </a:ext>
+            </a:extLst>
+          </p:cNvPr>
+          <p:cNvSpPr>
+            <a:spLocks noGrp="1"/>
+          </p:cNvSpPr>
+          <p:nvPr>
+            <p:ph type="dt" sz="half" idx="10"/>
+          </p:nvPr>
+        </p:nvSpPr>
+        <p:spPr/>
+        <p:txBody>
+          <a:bodyPr/>
+          <a:lstStyle/>
+          <a:p>
+            <a:fld id="{B929AB1E-7FD9-0A40-B7C0-508CCACB3E9A}" type="datetime1">
+              <a:rPr lang="en-CA" smtClean="0"/>
+              <a:t>2021-03-17</a:t>
             </a:fld>
             <a:endParaRPr lang="en-US"/>
           </a:p>
@@ -4752,7 +5010,12 @@
             <p:ph idx="1"/>
           </p:nvPr>
         </p:nvSpPr>
-        <p:spPr/>
+        <p:spPr>
+          <a:xfrm>
+            <a:off x="838200" y="1083734"/>
+            <a:ext cx="10515600" cy="5093230"/>
+          </a:xfrm>
+        </p:spPr>
         <p:txBody>
           <a:bodyPr/>
           <a:lstStyle/>
@@ -4817,6 +5080,12 @@
             <a:r>
               <a:rPr lang="en-CA" dirty="0"/>
               <a:t>JSON Path</a:t>
+            </a:r>
+          </a:p>
+          <a:p>
+            <a:r>
+              <a:rPr lang="en-CA" dirty="0"/>
+              <a:t>Security Bootstrapping</a:t>
             </a:r>
           </a:p>
           <a:p>
@@ -4907,7 +5176,7 @@
           <a:p>
             <a:fld id="{B929AB1E-7FD9-0A40-B7C0-508CCACB3E9A}" type="datetime1">
               <a:rPr lang="en-CA" smtClean="0"/>
-              <a:t>2021-03-16</a:t>
+              <a:t>2021-03-17</a:t>
             </a:fld>
             <a:endParaRPr lang="en-US"/>
           </a:p>
@@ -5117,7 +5386,7 @@
           <a:p>
             <a:fld id="{B929AB1E-7FD9-0A40-B7C0-508CCACB3E9A}" type="datetime1">
               <a:rPr lang="en-CA" smtClean="0"/>
-              <a:t>2021-03-16</a:t>
+              <a:t>2021-03-17</a:t>
             </a:fld>
             <a:endParaRPr lang="en-US"/>
           </a:p>
@@ -5321,7 +5590,7 @@
           <a:p>
             <a:fld id="{B929AB1E-7FD9-0A40-B7C0-508CCACB3E9A}" type="datetime1">
               <a:rPr lang="en-CA" smtClean="0"/>
-              <a:t>2021-03-16</a:t>
+              <a:t>2021-03-17</a:t>
             </a:fld>
             <a:endParaRPr lang="en-US"/>
           </a:p>
@@ -5549,7 +5818,7 @@
           <a:p>
             <a:fld id="{B929AB1E-7FD9-0A40-B7C0-508CCACB3E9A}" type="datetime1">
               <a:rPr lang="en-CA" smtClean="0"/>
-              <a:t>2021-03-16</a:t>
+              <a:t>2021-03-17</a:t>
             </a:fld>
             <a:endParaRPr lang="en-US"/>
           </a:p>
@@ -5749,7 +6018,7 @@
           <a:p>
             <a:fld id="{B929AB1E-7FD9-0A40-B7C0-508CCACB3E9A}" type="datetime1">
               <a:rPr lang="en-CA" smtClean="0"/>
-              <a:t>2021-03-16</a:t>
+              <a:t>2021-03-17</a:t>
             </a:fld>
             <a:endParaRPr lang="en-US"/>
           </a:p>
@@ -5972,7 +6241,7 @@
           <a:p>
             <a:fld id="{B929AB1E-7FD9-0A40-B7C0-508CCACB3E9A}" type="datetime1">
               <a:rPr lang="en-CA" smtClean="0"/>
-              <a:t>2021-03-16</a:t>
+              <a:t>2021-03-17</a:t>
             </a:fld>
             <a:endParaRPr lang="en-US"/>
           </a:p>
@@ -6236,7 +6505,7 @@
           <a:p>
             <a:fld id="{B929AB1E-7FD9-0A40-B7C0-508CCACB3E9A}" type="datetime1">
               <a:rPr lang="en-CA" smtClean="0"/>
-              <a:t>2021-03-16</a:t>
+              <a:t>2021-03-17</a:t>
             </a:fld>
             <a:endParaRPr lang="en-US"/>
           </a:p>
@@ -6487,7 +6756,7 @@
           <a:p>
             <a:fld id="{B929AB1E-7FD9-0A40-B7C0-508CCACB3E9A}" type="datetime1">
               <a:rPr lang="en-CA" smtClean="0"/>
-              <a:t>2021-03-16</a:t>
+              <a:t>2021-03-17</a:t>
             </a:fld>
             <a:endParaRPr lang="en-US"/>
           </a:p>

--- a/PRESENTATIONS/2021-03-online-f2f/2021-03-17-WoT-F2F-Discovery-Issues-McCool.pptx
+++ b/PRESENTATIONS/2021-03-online-f2f/2021-03-17-WoT-F2F-Discovery-Issues-McCool.pptx
@@ -4561,20 +4561,20 @@
             <a:pPr lvl="1"/>
             <a:r>
               <a:rPr lang="en-US" dirty="0"/>
-              <a:t>Two-phase (proposed </a:t>
-            </a:r>
-            <a:r>
-              <a:rPr lang="en-US"/>
-              <a:t>in issue above)</a:t>
+              <a:t>Two-phase (proposed in issue above)</a:t>
+            </a:r>
+          </a:p>
+          <a:p>
+            <a:pPr lvl="2"/>
+            <a:r>
+              <a:rPr lang="en-US" dirty="0"/>
+              <a:t>Error response or other mechanism provides security scheme to </a:t>
+            </a:r>
+            <a:r>
+              <a:rPr lang="en-US"/>
+              <a:t>fetch TD</a:t>
             </a:r>
             <a:endParaRPr lang="en-US" dirty="0"/>
-          </a:p>
-          <a:p>
-            <a:pPr lvl="2"/>
-            <a:r>
-              <a:rPr lang="en-US" dirty="0"/>
-              <a:t>Error response includes security scheme to fetch TD</a:t>
-            </a:r>
           </a:p>
           <a:p>
             <a:pPr lvl="2"/>

--- a/PRESENTATIONS/2021-03-online-f2f/2021-03-17-WoT-F2F-Discovery-Issues-McCool.pptx
+++ b/PRESENTATIONS/2021-03-online-f2f/2021-03-17-WoT-F2F-Discovery-Issues-McCool.pptx
@@ -4526,7 +4526,7 @@
           <a:p>
             <a:r>
               <a:rPr lang="en-US" dirty="0"/>
-              <a:t>Mostly a problem for self-description (directories can use </a:t>
+              <a:t>Mostly a problem for self-description (directories may use </a:t>
             </a:r>
             <a:r>
               <a:rPr lang="en-US" dirty="0" err="1"/>
@@ -4534,7 +4534,15 @@
             </a:r>
             <a:r>
               <a:rPr lang="en-US" dirty="0"/>
-              <a:t> for the TD as it has no private information)</a:t>
+              <a:t> for the TD as it has no private information; </a:t>
+            </a:r>
+            <a:r>
+              <a:rPr lang="en-US" i="1" dirty="0"/>
+              <a:t>maybe?</a:t>
+            </a:r>
+            <a:r>
+              <a:rPr lang="en-US" dirty="0"/>
+              <a:t>)</a:t>
             </a:r>
           </a:p>
           <a:p>
@@ -4568,19 +4576,14 @@
             <a:pPr lvl="2"/>
             <a:r>
               <a:rPr lang="en-US" dirty="0"/>
-              <a:t>Error response or other mechanism provides security scheme to </a:t>
-            </a:r>
-            <a:r>
-              <a:rPr lang="en-US"/>
-              <a:t>fetch TD</a:t>
-            </a:r>
-            <a:endParaRPr lang="en-US" dirty="0"/>
+              <a:t>Error response or other mechanism provides security scheme to fetch TD</a:t>
+            </a:r>
           </a:p>
           <a:p>
             <a:pPr lvl="2"/>
             <a:r>
               <a:rPr lang="en-US" dirty="0"/>
-              <a:t>But where does this scheme come from?  It is not given in the TD itself (meta-metadata)</a:t>
+              <a:t>But where does this scheme come from?  Proposal: use "default security scheme"</a:t>
             </a:r>
           </a:p>
           <a:p>
@@ -5036,7 +5039,7 @@
             <a:pPr lvl="1"/>
             <a:r>
               <a:rPr lang="en-CA" dirty="0"/>
-              <a:t>Needed for SPARQL queries and RDF round-tripping</a:t>
+              <a:t>Needed for TD round-tripping with SPARQL queries</a:t>
             </a:r>
           </a:p>
           <a:p>
@@ -5055,7 +5058,7 @@
             <a:pPr lvl="1"/>
             <a:r>
               <a:rPr lang="en-CA" dirty="0"/>
-              <a:t>JSON-LD stability, RDF round-tripping, metadata in "enhanced TDs"</a:t>
+              <a:t>JSON-LD stability, RDF round-tripping, metadata in "enriched TDs"</a:t>
             </a:r>
           </a:p>
           <a:p>
@@ -5676,60 +5679,78 @@
           <a:lstStyle/>
           <a:p>
             <a:r>
-              <a:rPr lang="en-US" dirty="0"/>
+              <a:rPr lang="en-US" sz="2400" dirty="0"/>
               <a:t>Security has been discussing adding signing to preserve TD integrity</a:t>
             </a:r>
           </a:p>
           <a:p>
             <a:r>
-              <a:rPr lang="en-US" dirty="0"/>
+              <a:rPr lang="en-US" sz="2400" dirty="0"/>
               <a:t>This requires a canonical form of TDs</a:t>
             </a:r>
           </a:p>
           <a:p>
             <a:pPr lvl="1"/>
             <a:r>
-              <a:rPr lang="en-US" dirty="0"/>
+              <a:rPr lang="en-US" sz="2000" dirty="0"/>
               <a:t>Needs to be specified in TD spec</a:t>
             </a:r>
           </a:p>
           <a:p>
             <a:pPr lvl="1"/>
             <a:r>
-              <a:rPr lang="en-US" dirty="0"/>
+              <a:rPr lang="en-US" sz="2000" dirty="0"/>
               <a:t>Foundation is JSON canonicalization, but TD-specific elaborations needed, for example, the handling of default values, ordering to simplify processing, etc.</a:t>
             </a:r>
           </a:p>
           <a:p>
             <a:r>
-              <a:rPr lang="en-US" dirty="0"/>
-              <a:t>Various other operations might break signing:</a:t>
+              <a:rPr lang="en-US" sz="2400" dirty="0"/>
+              <a:t>Various other operations might break signing, or require chaining:</a:t>
             </a:r>
           </a:p>
           <a:p>
             <a:pPr lvl="1"/>
             <a:r>
-              <a:rPr lang="en-US" dirty="0"/>
-              <a:t>Insertion of metadata by directories in TDs ("enhanced TDs")</a:t>
+              <a:rPr lang="en-US" sz="2000" dirty="0"/>
+              <a:t>Insertion of metadata by directories in TDs ("enhanced TDs" – must trust directory)</a:t>
             </a:r>
           </a:p>
           <a:p>
             <a:pPr lvl="1"/>
             <a:r>
-              <a:rPr lang="en-US" dirty="0"/>
-              <a:t>Protocol translation</a:t>
-            </a:r>
-          </a:p>
-          <a:p>
-            <a:r>
-              <a:rPr lang="en-US" dirty="0"/>
+              <a:rPr lang="en-US" sz="2000" dirty="0"/>
+              <a:t>Protocol translation (</a:t>
+            </a:r>
+            <a:r>
+              <a:rPr lang="en-US" sz="2000" dirty="0" err="1"/>
+              <a:t>eg</a:t>
+            </a:r>
+            <a:r>
+              <a:rPr lang="en-US" sz="2000" dirty="0"/>
+              <a:t> proxies - can use chaining, must trust proxy)</a:t>
+            </a:r>
+          </a:p>
+          <a:p>
+            <a:r>
+              <a:rPr lang="en-US" sz="2400" dirty="0"/>
               <a:t>Modification of TDs can be handled by chaining</a:t>
             </a:r>
           </a:p>
           <a:p>
             <a:r>
-              <a:rPr lang="en-US" dirty="0"/>
-              <a:t>Also need to consider whether outputs of SPARQL queries need to be canonicalized, signed</a:t>
+              <a:rPr lang="en-US" sz="2400" dirty="0"/>
+              <a:t>Also need to consider whether outputs of SPARQL queries need to be canonicalized, signed; alternatively, can be chained.</a:t>
+            </a:r>
+          </a:p>
+          <a:p>
+            <a:r>
+              <a:rPr lang="en-US" sz="2400" b="1" dirty="0"/>
+              <a:t>Fallback plan: </a:t>
+            </a:r>
+            <a:r>
+              <a:rPr lang="en-US" sz="2400" dirty="0"/>
+              <a:t>just keep the original string and make it available on demand</a:t>
             </a:r>
           </a:p>
           <a:p>
@@ -5816,11 +5837,13 @@
           <a:bodyPr/>
           <a:lstStyle/>
           <a:p>
+            <a:pPr lvl="1"/>
             <a:fld id="{B929AB1E-7FD9-0A40-B7C0-508CCACB3E9A}" type="datetime1">
               <a:rPr lang="en-CA" smtClean="0"/>
+              <a:pPr lvl="1"/>
               <a:t>2021-03-17</a:t>
             </a:fld>
-            <a:endParaRPr lang="en-US"/>
+            <a:endParaRPr lang="en-US" dirty="0"/>
           </a:p>
         </p:txBody>
       </p:sp>
@@ -5898,42 +5921,59 @@
             <p:ph idx="1"/>
           </p:nvPr>
         </p:nvSpPr>
-        <p:spPr/>
-        <p:txBody>
-          <a:bodyPr/>
-          <a:lstStyle/>
-          <a:p>
-            <a:r>
-              <a:rPr lang="en-US" dirty="0"/>
+        <p:spPr>
+          <a:xfrm>
+            <a:off x="838200" y="1027906"/>
+            <a:ext cx="10515600" cy="4878741"/>
+          </a:xfrm>
+        </p:spPr>
+        <p:txBody>
+          <a:bodyPr>
+            <a:noAutofit/>
+          </a:bodyPr>
+          <a:lstStyle/>
+          <a:p>
+            <a:r>
+              <a:rPr lang="en-US" sz="2400" dirty="0"/>
               <a:t>A formal definition of "TD Validation" is needed</a:t>
             </a:r>
           </a:p>
           <a:p>
             <a:r>
-              <a:rPr lang="en-US" dirty="0"/>
+              <a:rPr lang="en-US" sz="2400" dirty="0"/>
               <a:t>This is because directories should only store "valid" TDs</a:t>
             </a:r>
           </a:p>
           <a:p>
             <a:r>
-              <a:rPr lang="en-US" dirty="0"/>
+              <a:rPr lang="en-US" sz="2400" dirty="0"/>
               <a:t>Of course a valid TD is one that "satisfies the TD specification" but not everything in the spec can be validated just by looking at the TD</a:t>
             </a:r>
           </a:p>
           <a:p>
             <a:r>
-              <a:rPr lang="en-US" dirty="0"/>
-              <a:t>Some things such as validating semantic extensions are too expensive to justify</a:t>
-            </a:r>
-          </a:p>
-          <a:p>
-            <a:r>
-              <a:rPr lang="en-US" b="1" dirty="0"/>
-              <a:t>Proposal: </a:t>
-            </a:r>
-            <a:r>
-              <a:rPr lang="en-US" dirty="0"/>
-              <a:t>Define a subset of assertions that can be validated just by using JSON Schema (we already know this subset).</a:t>
+              <a:rPr lang="en-US" sz="2400" dirty="0"/>
+              <a:t>What about semantics?</a:t>
+            </a:r>
+          </a:p>
+          <a:p>
+            <a:r>
+              <a:rPr lang="en-US" sz="2400" b="1" dirty="0"/>
+              <a:t>Proposal 1: </a:t>
+            </a:r>
+            <a:r>
+              <a:rPr lang="en-US" sz="2400" dirty="0"/>
+              <a:t>Define a subset of assertions that can be validated just by using JSON Schema (we already know this subset) for "syntactic validation".  MANDATORY.  Note: does not cover extensions, allows random additional properties...  When (IF) JSON Schema becomes an actual standard, we can swap it in.</a:t>
+            </a:r>
+          </a:p>
+          <a:p>
+            <a:r>
+              <a:rPr lang="en-US" sz="2400" b="1" dirty="0"/>
+              <a:t>Proposal 2:</a:t>
+            </a:r>
+            <a:r>
+              <a:rPr lang="en-US" sz="2400" dirty="0"/>
+              <a:t> Define semantic validation based on SHACL for directories supporting semantic queries; these can also validate extensions if the SHACL can be accessed (TD SHACL also needs to be fetchable).  OPTIONAL, but mandatory for those that do SPARQL.</a:t>
             </a:r>
           </a:p>
         </p:txBody>
